--- a/experiments/loan/data/Recommendation Visualization.pptx
+++ b/experiments/loan/data/Recommendation Visualization.pptx
@@ -104,6 +104,11 @@
       </a:defRPr>
     </a:lvl9pPr>
   </p:defaultTextStyle>
+  <p:extLst>
+    <p:ext uri="{EFAFB233-063F-42B5-8137-9DF3F51BA10A}">
+      <p15:sldGuideLst xmlns:p15="http://schemas.microsoft.com/office/powerpoint/2012/main"/>
+    </p:ext>
+  </p:extLst>
 </p:presentation>
 </file>
 
@@ -3047,14 +3052,22 @@
           <a:lstStyle/>
           <a:p>
             <a:r>
-              <a:rPr lang="tr-TR" sz="1400" dirty="0" err="1" smtClean="0"/>
+              <a:rPr lang="tr-TR" sz="1400" b="1" dirty="0" err="1" smtClean="0"/>
               <a:t>Variant</a:t>
             </a:r>
             <a:r>
-              <a:rPr lang="tr-TR" sz="1400" dirty="0" smtClean="0"/>
-              <a:t> #3 (Cluster #1)</a:t>
-            </a:r>
-            <a:endParaRPr lang="tr-TR" sz="1400" dirty="0"/>
+              <a:rPr lang="tr-TR" sz="1400" b="1" dirty="0" smtClean="0"/>
+              <a:t> #</a:t>
+            </a:r>
+            <a:r>
+              <a:rPr lang="tr-TR" sz="1400" b="1" dirty="0" smtClean="0"/>
+              <a:t>3(Cluster </a:t>
+            </a:r>
+            <a:r>
+              <a:rPr lang="tr-TR" sz="1400" b="1" dirty="0" smtClean="0"/>
+              <a:t>#1)</a:t>
+            </a:r>
+            <a:endParaRPr lang="tr-TR" sz="1400" b="1" dirty="0"/>
           </a:p>
         </p:txBody>
       </p:sp>
@@ -3067,7 +3080,7 @@
         <p:spPr>
           <a:xfrm>
             <a:off x="8029370" y="6440906"/>
-            <a:ext cx="1812163" cy="307777"/>
+            <a:ext cx="1837683" cy="307777"/>
           </a:xfrm>
           <a:prstGeom prst="rect">
             <a:avLst/>
@@ -3081,14 +3094,14 @@
           <a:lstStyle/>
           <a:p>
             <a:r>
-              <a:rPr lang="tr-TR" sz="1400" dirty="0" err="1" smtClean="0"/>
+              <a:rPr lang="tr-TR" sz="1400" b="1" dirty="0" err="1" smtClean="0"/>
               <a:t>Variant</a:t>
             </a:r>
             <a:r>
-              <a:rPr lang="tr-TR" sz="1400" dirty="0" smtClean="0"/>
+              <a:rPr lang="tr-TR" sz="1400" b="1" dirty="0" smtClean="0"/>
               <a:t> #4 (Cluster #2)</a:t>
             </a:r>
-            <a:endParaRPr lang="tr-TR" sz="1400" dirty="0"/>
+            <a:endParaRPr lang="tr-TR" sz="1400" b="1" dirty="0"/>
           </a:p>
         </p:txBody>
       </p:sp>
@@ -3335,6 +3348,870 @@
                 <a:srgbClr val="C00000"/>
               </a:solidFill>
             </a:endParaRPr>
+          </a:p>
+        </p:txBody>
+      </p:sp>
+      <p:sp>
+        <p:nvSpPr>
+          <p:cNvPr id="2" name="Rectangle 1"/>
+          <p:cNvSpPr/>
+          <p:nvPr/>
+        </p:nvSpPr>
+        <p:spPr>
+          <a:xfrm>
+            <a:off x="3898900" y="1028700"/>
+            <a:ext cx="316016" cy="177800"/>
+          </a:xfrm>
+          <a:prstGeom prst="rect">
+            <a:avLst/>
+          </a:prstGeom>
+          <a:solidFill>
+            <a:schemeClr val="bg1"/>
+          </a:solidFill>
+          <a:ln>
+            <a:solidFill>
+              <a:schemeClr val="bg1"/>
+            </a:solidFill>
+          </a:ln>
+        </p:spPr>
+        <p:style>
+          <a:lnRef idx="2">
+            <a:schemeClr val="accent1">
+              <a:shade val="50000"/>
+            </a:schemeClr>
+          </a:lnRef>
+          <a:fillRef idx="1">
+            <a:schemeClr val="accent1"/>
+          </a:fillRef>
+          <a:effectRef idx="0">
+            <a:schemeClr val="accent1"/>
+          </a:effectRef>
+          <a:fontRef idx="minor">
+            <a:schemeClr val="lt1"/>
+          </a:fontRef>
+        </p:style>
+        <p:txBody>
+          <a:bodyPr rtlCol="0" anchor="ctr"/>
+          <a:lstStyle/>
+          <a:p>
+            <a:pPr algn="ctr"/>
+            <a:endParaRPr lang="tr-TR"/>
+          </a:p>
+        </p:txBody>
+      </p:sp>
+      <p:sp>
+        <p:nvSpPr>
+          <p:cNvPr id="12" name="Rectangle 11"/>
+          <p:cNvSpPr/>
+          <p:nvPr/>
+        </p:nvSpPr>
+        <p:spPr>
+          <a:xfrm flipV="1">
+            <a:off x="3922816" y="2079625"/>
+            <a:ext cx="316016" cy="311150"/>
+          </a:xfrm>
+          <a:prstGeom prst="rect">
+            <a:avLst/>
+          </a:prstGeom>
+          <a:solidFill>
+            <a:schemeClr val="bg1"/>
+          </a:solidFill>
+          <a:ln>
+            <a:solidFill>
+              <a:schemeClr val="bg1"/>
+            </a:solidFill>
+          </a:ln>
+        </p:spPr>
+        <p:style>
+          <a:lnRef idx="2">
+            <a:schemeClr val="accent1">
+              <a:shade val="50000"/>
+            </a:schemeClr>
+          </a:lnRef>
+          <a:fillRef idx="1">
+            <a:schemeClr val="accent1"/>
+          </a:fillRef>
+          <a:effectRef idx="0">
+            <a:schemeClr val="accent1"/>
+          </a:effectRef>
+          <a:fontRef idx="minor">
+            <a:schemeClr val="lt1"/>
+          </a:fontRef>
+        </p:style>
+        <p:txBody>
+          <a:bodyPr rtlCol="0" anchor="ctr"/>
+          <a:lstStyle/>
+          <a:p>
+            <a:pPr algn="ctr"/>
+            <a:endParaRPr lang="tr-TR"/>
+          </a:p>
+        </p:txBody>
+      </p:sp>
+      <p:sp>
+        <p:nvSpPr>
+          <p:cNvPr id="13" name="Rectangle 12"/>
+          <p:cNvSpPr/>
+          <p:nvPr/>
+        </p:nvSpPr>
+        <p:spPr>
+          <a:xfrm flipV="1">
+            <a:off x="3863497" y="3256547"/>
+            <a:ext cx="316016" cy="311150"/>
+          </a:xfrm>
+          <a:prstGeom prst="rect">
+            <a:avLst/>
+          </a:prstGeom>
+          <a:solidFill>
+            <a:schemeClr val="bg1"/>
+          </a:solidFill>
+          <a:ln>
+            <a:solidFill>
+              <a:schemeClr val="bg1"/>
+            </a:solidFill>
+          </a:ln>
+        </p:spPr>
+        <p:style>
+          <a:lnRef idx="2">
+            <a:schemeClr val="accent1">
+              <a:shade val="50000"/>
+            </a:schemeClr>
+          </a:lnRef>
+          <a:fillRef idx="1">
+            <a:schemeClr val="accent1"/>
+          </a:fillRef>
+          <a:effectRef idx="0">
+            <a:schemeClr val="accent1"/>
+          </a:effectRef>
+          <a:fontRef idx="minor">
+            <a:schemeClr val="lt1"/>
+          </a:fontRef>
+        </p:style>
+        <p:txBody>
+          <a:bodyPr rtlCol="0" anchor="ctr"/>
+          <a:lstStyle/>
+          <a:p>
+            <a:pPr algn="ctr"/>
+            <a:endParaRPr lang="tr-TR"/>
+          </a:p>
+        </p:txBody>
+      </p:sp>
+      <p:sp>
+        <p:nvSpPr>
+          <p:cNvPr id="14" name="Rectangle 13"/>
+          <p:cNvSpPr/>
+          <p:nvPr/>
+        </p:nvSpPr>
+        <p:spPr>
+          <a:xfrm flipV="1">
+            <a:off x="3717381" y="4440822"/>
+            <a:ext cx="316016" cy="311150"/>
+          </a:xfrm>
+          <a:prstGeom prst="rect">
+            <a:avLst/>
+          </a:prstGeom>
+          <a:solidFill>
+            <a:schemeClr val="bg1"/>
+          </a:solidFill>
+          <a:ln>
+            <a:solidFill>
+              <a:schemeClr val="bg1"/>
+            </a:solidFill>
+          </a:ln>
+        </p:spPr>
+        <p:style>
+          <a:lnRef idx="2">
+            <a:schemeClr val="accent1">
+              <a:shade val="50000"/>
+            </a:schemeClr>
+          </a:lnRef>
+          <a:fillRef idx="1">
+            <a:schemeClr val="accent1"/>
+          </a:fillRef>
+          <a:effectRef idx="0">
+            <a:schemeClr val="accent1"/>
+          </a:effectRef>
+          <a:fontRef idx="minor">
+            <a:schemeClr val="lt1"/>
+          </a:fontRef>
+        </p:style>
+        <p:txBody>
+          <a:bodyPr rtlCol="0" anchor="ctr"/>
+          <a:lstStyle/>
+          <a:p>
+            <a:pPr algn="ctr"/>
+            <a:endParaRPr lang="tr-TR"/>
+          </a:p>
+        </p:txBody>
+      </p:sp>
+      <p:sp>
+        <p:nvSpPr>
+          <p:cNvPr id="18" name="Rectangle 17"/>
+          <p:cNvSpPr/>
+          <p:nvPr/>
+        </p:nvSpPr>
+        <p:spPr>
+          <a:xfrm flipV="1">
+            <a:off x="4435642" y="4262575"/>
+            <a:ext cx="316016" cy="311150"/>
+          </a:xfrm>
+          <a:prstGeom prst="rect">
+            <a:avLst/>
+          </a:prstGeom>
+          <a:solidFill>
+            <a:schemeClr val="bg1"/>
+          </a:solidFill>
+          <a:ln>
+            <a:solidFill>
+              <a:schemeClr val="bg1"/>
+            </a:solidFill>
+          </a:ln>
+        </p:spPr>
+        <p:style>
+          <a:lnRef idx="2">
+            <a:schemeClr val="accent1">
+              <a:shade val="50000"/>
+            </a:schemeClr>
+          </a:lnRef>
+          <a:fillRef idx="1">
+            <a:schemeClr val="accent1"/>
+          </a:fillRef>
+          <a:effectRef idx="0">
+            <a:schemeClr val="accent1"/>
+          </a:effectRef>
+          <a:fontRef idx="minor">
+            <a:schemeClr val="lt1"/>
+          </a:fontRef>
+        </p:style>
+        <p:txBody>
+          <a:bodyPr rtlCol="0" anchor="ctr"/>
+          <a:lstStyle/>
+          <a:p>
+            <a:pPr algn="ctr"/>
+            <a:endParaRPr lang="tr-TR"/>
+          </a:p>
+        </p:txBody>
+      </p:sp>
+      <p:sp>
+        <p:nvSpPr>
+          <p:cNvPr id="19" name="Rectangle 18"/>
+          <p:cNvSpPr/>
+          <p:nvPr/>
+        </p:nvSpPr>
+        <p:spPr>
+          <a:xfrm flipV="1">
+            <a:off x="4505532" y="5558536"/>
+            <a:ext cx="316016" cy="311150"/>
+          </a:xfrm>
+          <a:prstGeom prst="rect">
+            <a:avLst/>
+          </a:prstGeom>
+          <a:solidFill>
+            <a:schemeClr val="bg1"/>
+          </a:solidFill>
+          <a:ln>
+            <a:solidFill>
+              <a:schemeClr val="bg1"/>
+            </a:solidFill>
+          </a:ln>
+        </p:spPr>
+        <p:style>
+          <a:lnRef idx="2">
+            <a:schemeClr val="accent1">
+              <a:shade val="50000"/>
+            </a:schemeClr>
+          </a:lnRef>
+          <a:fillRef idx="1">
+            <a:schemeClr val="accent1"/>
+          </a:fillRef>
+          <a:effectRef idx="0">
+            <a:schemeClr val="accent1"/>
+          </a:effectRef>
+          <a:fontRef idx="minor">
+            <a:schemeClr val="lt1"/>
+          </a:fontRef>
+        </p:style>
+        <p:txBody>
+          <a:bodyPr rtlCol="0" anchor="ctr"/>
+          <a:lstStyle/>
+          <a:p>
+            <a:pPr algn="ctr"/>
+            <a:endParaRPr lang="tr-TR"/>
+          </a:p>
+        </p:txBody>
+      </p:sp>
+      <p:sp>
+        <p:nvSpPr>
+          <p:cNvPr id="20" name="Rectangle 19"/>
+          <p:cNvSpPr/>
+          <p:nvPr/>
+        </p:nvSpPr>
+        <p:spPr>
+          <a:xfrm flipV="1">
+            <a:off x="3792176" y="5433345"/>
+            <a:ext cx="316016" cy="311150"/>
+          </a:xfrm>
+          <a:prstGeom prst="rect">
+            <a:avLst/>
+          </a:prstGeom>
+          <a:solidFill>
+            <a:schemeClr val="bg1"/>
+          </a:solidFill>
+          <a:ln>
+            <a:solidFill>
+              <a:schemeClr val="bg1"/>
+            </a:solidFill>
+          </a:ln>
+        </p:spPr>
+        <p:style>
+          <a:lnRef idx="2">
+            <a:schemeClr val="accent1">
+              <a:shade val="50000"/>
+            </a:schemeClr>
+          </a:lnRef>
+          <a:fillRef idx="1">
+            <a:schemeClr val="accent1"/>
+          </a:fillRef>
+          <a:effectRef idx="0">
+            <a:schemeClr val="accent1"/>
+          </a:effectRef>
+          <a:fontRef idx="minor">
+            <a:schemeClr val="lt1"/>
+          </a:fontRef>
+        </p:style>
+        <p:txBody>
+          <a:bodyPr rtlCol="0" anchor="ctr"/>
+          <a:lstStyle/>
+          <a:p>
+            <a:pPr algn="ctr"/>
+            <a:endParaRPr lang="tr-TR"/>
+          </a:p>
+        </p:txBody>
+      </p:sp>
+      <p:sp>
+        <p:nvSpPr>
+          <p:cNvPr id="21" name="Rectangle 20"/>
+          <p:cNvSpPr/>
+          <p:nvPr/>
+        </p:nvSpPr>
+        <p:spPr>
+          <a:xfrm flipV="1">
+            <a:off x="8827726" y="5869685"/>
+            <a:ext cx="265474" cy="185959"/>
+          </a:xfrm>
+          <a:prstGeom prst="rect">
+            <a:avLst/>
+          </a:prstGeom>
+          <a:solidFill>
+            <a:schemeClr val="bg1"/>
+          </a:solidFill>
+          <a:ln>
+            <a:solidFill>
+              <a:schemeClr val="bg1"/>
+            </a:solidFill>
+          </a:ln>
+        </p:spPr>
+        <p:style>
+          <a:lnRef idx="2">
+            <a:schemeClr val="accent1">
+              <a:shade val="50000"/>
+            </a:schemeClr>
+          </a:lnRef>
+          <a:fillRef idx="1">
+            <a:schemeClr val="accent1"/>
+          </a:fillRef>
+          <a:effectRef idx="0">
+            <a:schemeClr val="accent1"/>
+          </a:effectRef>
+          <a:fontRef idx="minor">
+            <a:schemeClr val="lt1"/>
+          </a:fontRef>
+        </p:style>
+        <p:txBody>
+          <a:bodyPr rtlCol="0" anchor="ctr"/>
+          <a:lstStyle/>
+          <a:p>
+            <a:pPr algn="ctr"/>
+            <a:endParaRPr lang="tr-TR"/>
+          </a:p>
+        </p:txBody>
+      </p:sp>
+      <p:sp>
+        <p:nvSpPr>
+          <p:cNvPr id="22" name="Rectangle 21"/>
+          <p:cNvSpPr/>
+          <p:nvPr/>
+        </p:nvSpPr>
+        <p:spPr>
+          <a:xfrm flipV="1">
+            <a:off x="9576059" y="5895474"/>
+            <a:ext cx="265474" cy="185959"/>
+          </a:xfrm>
+          <a:prstGeom prst="rect">
+            <a:avLst/>
+          </a:prstGeom>
+          <a:solidFill>
+            <a:schemeClr val="bg1"/>
+          </a:solidFill>
+          <a:ln>
+            <a:solidFill>
+              <a:schemeClr val="bg1"/>
+            </a:solidFill>
+          </a:ln>
+        </p:spPr>
+        <p:style>
+          <a:lnRef idx="2">
+            <a:schemeClr val="accent1">
+              <a:shade val="50000"/>
+            </a:schemeClr>
+          </a:lnRef>
+          <a:fillRef idx="1">
+            <a:schemeClr val="accent1"/>
+          </a:fillRef>
+          <a:effectRef idx="0">
+            <a:schemeClr val="accent1"/>
+          </a:effectRef>
+          <a:fontRef idx="minor">
+            <a:schemeClr val="lt1"/>
+          </a:fontRef>
+        </p:style>
+        <p:txBody>
+          <a:bodyPr rtlCol="0" anchor="ctr"/>
+          <a:lstStyle/>
+          <a:p>
+            <a:pPr algn="ctr"/>
+            <a:endParaRPr lang="tr-TR"/>
+          </a:p>
+        </p:txBody>
+      </p:sp>
+      <p:sp>
+        <p:nvSpPr>
+          <p:cNvPr id="23" name="Rectangle 22"/>
+          <p:cNvSpPr/>
+          <p:nvPr/>
+        </p:nvSpPr>
+        <p:spPr>
+          <a:xfrm flipV="1">
+            <a:off x="9474718" y="5006935"/>
+            <a:ext cx="265474" cy="185959"/>
+          </a:xfrm>
+          <a:prstGeom prst="rect">
+            <a:avLst/>
+          </a:prstGeom>
+          <a:solidFill>
+            <a:schemeClr val="bg1"/>
+          </a:solidFill>
+          <a:ln>
+            <a:solidFill>
+              <a:schemeClr val="bg1"/>
+            </a:solidFill>
+          </a:ln>
+        </p:spPr>
+        <p:style>
+          <a:lnRef idx="2">
+            <a:schemeClr val="accent1">
+              <a:shade val="50000"/>
+            </a:schemeClr>
+          </a:lnRef>
+          <a:fillRef idx="1">
+            <a:schemeClr val="accent1"/>
+          </a:fillRef>
+          <a:effectRef idx="0">
+            <a:schemeClr val="accent1"/>
+          </a:effectRef>
+          <a:fontRef idx="minor">
+            <a:schemeClr val="lt1"/>
+          </a:fontRef>
+        </p:style>
+        <p:txBody>
+          <a:bodyPr rtlCol="0" anchor="ctr"/>
+          <a:lstStyle/>
+          <a:p>
+            <a:pPr algn="ctr"/>
+            <a:endParaRPr lang="tr-TR"/>
+          </a:p>
+        </p:txBody>
+      </p:sp>
+      <p:sp>
+        <p:nvSpPr>
+          <p:cNvPr id="24" name="Rectangle 23"/>
+          <p:cNvSpPr/>
+          <p:nvPr/>
+        </p:nvSpPr>
+        <p:spPr>
+          <a:xfrm flipV="1">
+            <a:off x="8736297" y="5059720"/>
+            <a:ext cx="265474" cy="185959"/>
+          </a:xfrm>
+          <a:prstGeom prst="rect">
+            <a:avLst/>
+          </a:prstGeom>
+          <a:solidFill>
+            <a:schemeClr val="bg1"/>
+          </a:solidFill>
+          <a:ln>
+            <a:solidFill>
+              <a:schemeClr val="bg1"/>
+            </a:solidFill>
+          </a:ln>
+        </p:spPr>
+        <p:style>
+          <a:lnRef idx="2">
+            <a:schemeClr val="accent1">
+              <a:shade val="50000"/>
+            </a:schemeClr>
+          </a:lnRef>
+          <a:fillRef idx="1">
+            <a:schemeClr val="accent1"/>
+          </a:fillRef>
+          <a:effectRef idx="0">
+            <a:schemeClr val="accent1"/>
+          </a:effectRef>
+          <a:fontRef idx="minor">
+            <a:schemeClr val="lt1"/>
+          </a:fontRef>
+        </p:style>
+        <p:txBody>
+          <a:bodyPr rtlCol="0" anchor="ctr"/>
+          <a:lstStyle/>
+          <a:p>
+            <a:pPr algn="ctr"/>
+            <a:endParaRPr lang="tr-TR"/>
+          </a:p>
+        </p:txBody>
+      </p:sp>
+      <p:sp>
+        <p:nvSpPr>
+          <p:cNvPr id="25" name="Rectangle 24"/>
+          <p:cNvSpPr/>
+          <p:nvPr/>
+        </p:nvSpPr>
+        <p:spPr>
+          <a:xfrm flipV="1">
+            <a:off x="8918957" y="4183168"/>
+            <a:ext cx="265474" cy="185959"/>
+          </a:xfrm>
+          <a:prstGeom prst="rect">
+            <a:avLst/>
+          </a:prstGeom>
+          <a:solidFill>
+            <a:schemeClr val="bg1"/>
+          </a:solidFill>
+          <a:ln>
+            <a:solidFill>
+              <a:schemeClr val="bg1"/>
+            </a:solidFill>
+          </a:ln>
+        </p:spPr>
+        <p:style>
+          <a:lnRef idx="2">
+            <a:schemeClr val="accent1">
+              <a:shade val="50000"/>
+            </a:schemeClr>
+          </a:lnRef>
+          <a:fillRef idx="1">
+            <a:schemeClr val="accent1"/>
+          </a:fillRef>
+          <a:effectRef idx="0">
+            <a:schemeClr val="accent1"/>
+          </a:effectRef>
+          <a:fontRef idx="minor">
+            <a:schemeClr val="lt1"/>
+          </a:fontRef>
+        </p:style>
+        <p:txBody>
+          <a:bodyPr rtlCol="0" anchor="ctr"/>
+          <a:lstStyle/>
+          <a:p>
+            <a:pPr algn="ctr"/>
+            <a:endParaRPr lang="tr-TR"/>
+          </a:p>
+        </p:txBody>
+      </p:sp>
+      <p:sp>
+        <p:nvSpPr>
+          <p:cNvPr id="26" name="Rectangle 25"/>
+          <p:cNvSpPr/>
+          <p:nvPr/>
+        </p:nvSpPr>
+        <p:spPr>
+          <a:xfrm flipV="1">
+            <a:off x="9365038" y="3319142"/>
+            <a:ext cx="265474" cy="185959"/>
+          </a:xfrm>
+          <a:prstGeom prst="rect">
+            <a:avLst/>
+          </a:prstGeom>
+          <a:solidFill>
+            <a:schemeClr val="bg1"/>
+          </a:solidFill>
+          <a:ln>
+            <a:solidFill>
+              <a:schemeClr val="bg1"/>
+            </a:solidFill>
+          </a:ln>
+        </p:spPr>
+        <p:style>
+          <a:lnRef idx="2">
+            <a:schemeClr val="accent1">
+              <a:shade val="50000"/>
+            </a:schemeClr>
+          </a:lnRef>
+          <a:fillRef idx="1">
+            <a:schemeClr val="accent1"/>
+          </a:fillRef>
+          <a:effectRef idx="0">
+            <a:schemeClr val="accent1"/>
+          </a:effectRef>
+          <a:fontRef idx="minor">
+            <a:schemeClr val="lt1"/>
+          </a:fontRef>
+        </p:style>
+        <p:txBody>
+          <a:bodyPr rtlCol="0" anchor="ctr"/>
+          <a:lstStyle/>
+          <a:p>
+            <a:pPr algn="ctr"/>
+            <a:endParaRPr lang="tr-TR"/>
+          </a:p>
+        </p:txBody>
+      </p:sp>
+      <p:sp>
+        <p:nvSpPr>
+          <p:cNvPr id="27" name="Rectangle 26"/>
+          <p:cNvSpPr/>
+          <p:nvPr/>
+        </p:nvSpPr>
+        <p:spPr>
+          <a:xfrm flipV="1">
+            <a:off x="8562252" y="3243041"/>
+            <a:ext cx="265474" cy="185959"/>
+          </a:xfrm>
+          <a:prstGeom prst="rect">
+            <a:avLst/>
+          </a:prstGeom>
+          <a:solidFill>
+            <a:schemeClr val="bg1"/>
+          </a:solidFill>
+          <a:ln>
+            <a:solidFill>
+              <a:schemeClr val="bg1"/>
+            </a:solidFill>
+          </a:ln>
+        </p:spPr>
+        <p:style>
+          <a:lnRef idx="2">
+            <a:schemeClr val="accent1">
+              <a:shade val="50000"/>
+            </a:schemeClr>
+          </a:lnRef>
+          <a:fillRef idx="1">
+            <a:schemeClr val="accent1"/>
+          </a:fillRef>
+          <a:effectRef idx="0">
+            <a:schemeClr val="accent1"/>
+          </a:effectRef>
+          <a:fontRef idx="minor">
+            <a:schemeClr val="lt1"/>
+          </a:fontRef>
+        </p:style>
+        <p:txBody>
+          <a:bodyPr rtlCol="0" anchor="ctr"/>
+          <a:lstStyle/>
+          <a:p>
+            <a:pPr algn="ctr"/>
+            <a:endParaRPr lang="tr-TR"/>
+          </a:p>
+        </p:txBody>
+      </p:sp>
+      <p:sp>
+        <p:nvSpPr>
+          <p:cNvPr id="28" name="Rectangle 27"/>
+          <p:cNvSpPr/>
+          <p:nvPr/>
+        </p:nvSpPr>
+        <p:spPr>
+          <a:xfrm flipV="1">
+            <a:off x="8509556" y="2439205"/>
+            <a:ext cx="265474" cy="185959"/>
+          </a:xfrm>
+          <a:prstGeom prst="rect">
+            <a:avLst/>
+          </a:prstGeom>
+          <a:solidFill>
+            <a:schemeClr val="bg1"/>
+          </a:solidFill>
+          <a:ln>
+            <a:solidFill>
+              <a:schemeClr val="bg1"/>
+            </a:solidFill>
+          </a:ln>
+        </p:spPr>
+        <p:style>
+          <a:lnRef idx="2">
+            <a:schemeClr val="accent1">
+              <a:shade val="50000"/>
+            </a:schemeClr>
+          </a:lnRef>
+          <a:fillRef idx="1">
+            <a:schemeClr val="accent1"/>
+          </a:fillRef>
+          <a:effectRef idx="0">
+            <a:schemeClr val="accent1"/>
+          </a:effectRef>
+          <a:fontRef idx="minor">
+            <a:schemeClr val="lt1"/>
+          </a:fontRef>
+        </p:style>
+        <p:txBody>
+          <a:bodyPr rtlCol="0" anchor="ctr"/>
+          <a:lstStyle/>
+          <a:p>
+            <a:pPr algn="ctr"/>
+            <a:endParaRPr lang="tr-TR"/>
+          </a:p>
+        </p:txBody>
+      </p:sp>
+      <p:sp>
+        <p:nvSpPr>
+          <p:cNvPr id="29" name="Rectangle 28"/>
+          <p:cNvSpPr/>
+          <p:nvPr/>
+        </p:nvSpPr>
+        <p:spPr>
+          <a:xfrm flipV="1">
+            <a:off x="9223430" y="2400044"/>
+            <a:ext cx="265474" cy="185959"/>
+          </a:xfrm>
+          <a:prstGeom prst="rect">
+            <a:avLst/>
+          </a:prstGeom>
+          <a:solidFill>
+            <a:schemeClr val="bg1"/>
+          </a:solidFill>
+          <a:ln>
+            <a:solidFill>
+              <a:schemeClr val="bg1"/>
+            </a:solidFill>
+          </a:ln>
+        </p:spPr>
+        <p:style>
+          <a:lnRef idx="2">
+            <a:schemeClr val="accent1">
+              <a:shade val="50000"/>
+            </a:schemeClr>
+          </a:lnRef>
+          <a:fillRef idx="1">
+            <a:schemeClr val="accent1"/>
+          </a:fillRef>
+          <a:effectRef idx="0">
+            <a:schemeClr val="accent1"/>
+          </a:effectRef>
+          <a:fontRef idx="minor">
+            <a:schemeClr val="lt1"/>
+          </a:fontRef>
+        </p:style>
+        <p:txBody>
+          <a:bodyPr rtlCol="0" anchor="ctr"/>
+          <a:lstStyle/>
+          <a:p>
+            <a:pPr algn="ctr"/>
+            <a:endParaRPr lang="tr-TR"/>
+          </a:p>
+        </p:txBody>
+      </p:sp>
+      <p:sp>
+        <p:nvSpPr>
+          <p:cNvPr id="30" name="Rectangle 29"/>
+          <p:cNvSpPr/>
+          <p:nvPr/>
+        </p:nvSpPr>
+        <p:spPr>
+          <a:xfrm flipV="1">
+            <a:off x="8694989" y="1568253"/>
+            <a:ext cx="265474" cy="185959"/>
+          </a:xfrm>
+          <a:prstGeom prst="rect">
+            <a:avLst/>
+          </a:prstGeom>
+          <a:solidFill>
+            <a:schemeClr val="bg1"/>
+          </a:solidFill>
+          <a:ln>
+            <a:solidFill>
+              <a:schemeClr val="bg1"/>
+            </a:solidFill>
+          </a:ln>
+        </p:spPr>
+        <p:style>
+          <a:lnRef idx="2">
+            <a:schemeClr val="accent1">
+              <a:shade val="50000"/>
+            </a:schemeClr>
+          </a:lnRef>
+          <a:fillRef idx="1">
+            <a:schemeClr val="accent1"/>
+          </a:fillRef>
+          <a:effectRef idx="0">
+            <a:schemeClr val="accent1"/>
+          </a:effectRef>
+          <a:fontRef idx="minor">
+            <a:schemeClr val="lt1"/>
+          </a:fontRef>
+        </p:style>
+        <p:txBody>
+          <a:bodyPr rtlCol="0" anchor="ctr"/>
+          <a:lstStyle/>
+          <a:p>
+            <a:pPr algn="ctr"/>
+            <a:endParaRPr lang="tr-TR"/>
+          </a:p>
+        </p:txBody>
+      </p:sp>
+      <p:sp>
+        <p:nvSpPr>
+          <p:cNvPr id="31" name="Rectangle 30"/>
+          <p:cNvSpPr/>
+          <p:nvPr/>
+        </p:nvSpPr>
+        <p:spPr>
+          <a:xfrm flipV="1">
+            <a:off x="8669977" y="691610"/>
+            <a:ext cx="265474" cy="185959"/>
+          </a:xfrm>
+          <a:prstGeom prst="rect">
+            <a:avLst/>
+          </a:prstGeom>
+          <a:solidFill>
+            <a:schemeClr val="bg1"/>
+          </a:solidFill>
+          <a:ln>
+            <a:solidFill>
+              <a:schemeClr val="bg1"/>
+            </a:solidFill>
+          </a:ln>
+        </p:spPr>
+        <p:style>
+          <a:lnRef idx="2">
+            <a:schemeClr val="accent1">
+              <a:shade val="50000"/>
+            </a:schemeClr>
+          </a:lnRef>
+          <a:fillRef idx="1">
+            <a:schemeClr val="accent1"/>
+          </a:fillRef>
+          <a:effectRef idx="0">
+            <a:schemeClr val="accent1"/>
+          </a:effectRef>
+          <a:fontRef idx="minor">
+            <a:schemeClr val="lt1"/>
+          </a:fontRef>
+        </p:style>
+        <p:txBody>
+          <a:bodyPr rtlCol="0" anchor="ctr"/>
+          <a:lstStyle/>
+          <a:p>
+            <a:pPr algn="ctr"/>
+            <a:endParaRPr lang="tr-TR"/>
           </a:p>
         </p:txBody>
       </p:sp>
